--- a/markdown/files/slides/lecture1_intro_Aink.pptx
+++ b/markdown/files/slides/lecture1_intro_Aink.pptx
@@ -3770,12 +3770,14 @@
         </p:nvSpPr>
         <p:spPr/>
         <p:txBody>
-          <a:bodyPr/>
+          <a:bodyPr>
+            <a:normAutofit fontScale="85000" lnSpcReduction="20000"/>
+          </a:bodyPr>
           <a:lstStyle/>
           <a:p>
             <a:r>
               <a:rPr lang="en-US" dirty="0"/>
-              <a:t>What is it? </a:t>
+              <a:t>What is it? FIFO. A collection of things where the next thing you remove is the least recently added thing</a:t>
             </a:r>
           </a:p>
           <a:p>
@@ -3789,13 +3791,75 @@
             </a:r>
           </a:p>
           <a:p>
-            <a:endParaRPr lang="en-US" dirty="0"/>
+            <a:pPr lvl="1"/>
+            <a:r>
+              <a:rPr lang="en-US" dirty="0"/>
+              <a:t>Add things</a:t>
+            </a:r>
+          </a:p>
+          <a:p>
+            <a:pPr lvl="1"/>
+            <a:r>
+              <a:rPr lang="en-US" dirty="0"/>
+              <a:t>Remove things</a:t>
+            </a:r>
+          </a:p>
+          <a:p>
+            <a:pPr lvl="1"/>
+            <a:r>
+              <a:rPr lang="en-US" dirty="0"/>
+              <a:t>peek</a:t>
+            </a:r>
           </a:p>
           <a:p>
             <a:r>
               <a:rPr lang="en-US" dirty="0"/>
               <a:t>Suggested data structures?</a:t>
             </a:r>
+          </a:p>
+          <a:p>
+            <a:pPr lvl="1"/>
+            <a:r>
+              <a:rPr lang="en-US" dirty="0"/>
+              <a:t>String</a:t>
+            </a:r>
+          </a:p>
+          <a:p>
+            <a:pPr lvl="1"/>
+            <a:r>
+              <a:rPr lang="en-US" dirty="0"/>
+              <a:t>Array</a:t>
+            </a:r>
+          </a:p>
+          <a:p>
+            <a:pPr lvl="1"/>
+            <a:r>
+              <a:rPr lang="en-US" dirty="0"/>
+              <a:t>Linked nodes</a:t>
+            </a:r>
+          </a:p>
+          <a:p>
+            <a:pPr lvl="1"/>
+            <a:r>
+              <a:rPr lang="en-US" dirty="0" err="1"/>
+              <a:t>ArrayList</a:t>
+            </a:r>
+            <a:endParaRPr lang="en-US" dirty="0"/>
+          </a:p>
+          <a:p>
+            <a:pPr lvl="1"/>
+            <a:r>
+              <a:rPr lang="en-US" dirty="0"/>
+              <a:t>Stack</a:t>
+            </a:r>
+          </a:p>
+          <a:p>
+            <a:pPr lvl="1"/>
+            <a:r>
+              <a:rPr lang="en-US" dirty="0" err="1"/>
+              <a:t>Hashmap</a:t>
+            </a:r>
+            <a:endParaRPr lang="en-US" dirty="0"/>
           </a:p>
           <a:p>
             <a:pPr lvl="1"/>
@@ -12726,7 +12790,7 @@
         <p:spPr>
           <a:xfrm>
             <a:off x="4879046" y="4619018"/>
-            <a:ext cx="4828372" cy="1384995"/>
+            <a:ext cx="4828372" cy="1600438"/>
           </a:xfrm>
           <a:prstGeom prst="rect">
             <a:avLst/>
@@ -12746,6 +12810,16 @@
                 <a:cs typeface="Cascadia Code" panose="020B0609020000020004" pitchFamily="49" charset="0"/>
               </a:rPr>
               <a:t>dequeue(){</a:t>
+            </a:r>
+          </a:p>
+          <a:p>
+            <a:r>
+              <a:rPr lang="en-US" sz="1400" dirty="0">
+                <a:latin typeface="Cascadia Code" panose="020B0609020000020004" pitchFamily="49" charset="0"/>
+                <a:ea typeface="Cascadia Code" panose="020B0609020000020004" pitchFamily="49" charset="0"/>
+                <a:cs typeface="Cascadia Code" panose="020B0609020000020004" pitchFamily="49" charset="0"/>
+              </a:rPr>
+              <a:t>    // Assumes queue is not empty</a:t>
             </a:r>
           </a:p>
           <a:p>
@@ -14765,7 +14839,7 @@
                 <a:ea typeface="Cascadia Code" panose="020B0609020000020004" pitchFamily="49" charset="0"/>
                 <a:cs typeface="Cascadia Code" panose="020B0609020000020004" pitchFamily="49" charset="0"/>
               </a:rPr>
-              <a:t>    return size== 0; </a:t>
+              <a:t>    return size == 0; </a:t>
             </a:r>
           </a:p>
           <a:p>
@@ -16016,6 +16090,23 @@
               <a:rPr lang="en-US" dirty="0"/>
               <a:t>TAs:</a:t>
             </a:r>
+          </a:p>
+          <a:p>
+            <a:pPr lvl="1"/>
+            <a:r>
+              <a:rPr lang="en-US" dirty="0">
+                <a:hlinkClick r:id="rId2"/>
+              </a:rPr>
+              <a:t>http://www.cs.uw.edu/332/staff.html#tas</a:t>
+            </a:r>
+            <a:r>
+              <a:rPr lang="en-US" dirty="0"/>
+              <a:t> </a:t>
+            </a:r>
+          </a:p>
+          <a:p>
+            <a:pPr lvl="1"/>
+            <a:endParaRPr lang="en-US" dirty="0"/>
           </a:p>
           <a:p>
             <a:pPr lvl="1"/>
